--- a/Documentation/SystemStateDiagram.pptx
+++ b/Documentation/SystemStateDiagram.pptx
@@ -104,6 +104,22 @@
       </a:defRPr>
     </a:lvl9pPr>
   </p:defaultTextStyle>
+  <p:extLst>
+    <p:ext uri="{EFAFB233-063F-42B5-8137-9DF3F51BA10A}">
+      <p15:sldGuideLst xmlns:p15="http://schemas.microsoft.com/office/powerpoint/2012/main">
+        <p15:guide id="1" orient="horz" pos="2160">
+          <p15:clr>
+            <a:srgbClr val="A4A3A4"/>
+          </p15:clr>
+        </p15:guide>
+        <p15:guide id="2" pos="2880">
+          <p15:clr>
+            <a:srgbClr val="A4A3A4"/>
+          </p15:clr>
+        </p15:guide>
+      </p15:sldGuideLst>
+    </p:ext>
+  </p:extLst>
 </p:presentation>
 </file>
 
@@ -288,7 +304,7 @@
           <a:p>
             <a:fld id="{34D92944-273D-4DFE-BCBE-3BF784A0D775}" type="datetimeFigureOut">
               <a:rPr lang="en-US" smtClean="0"/>
-              <a:t>4/22/2016</a:t>
+              <a:t>4/29/2016</a:t>
             </a:fld>
             <a:endParaRPr lang="en-US"/>
           </a:p>
@@ -458,7 +474,7 @@
           <a:p>
             <a:fld id="{34D92944-273D-4DFE-BCBE-3BF784A0D775}" type="datetimeFigureOut">
               <a:rPr lang="en-US" smtClean="0"/>
-              <a:t>4/22/2016</a:t>
+              <a:t>4/29/2016</a:t>
             </a:fld>
             <a:endParaRPr lang="en-US"/>
           </a:p>
@@ -638,7 +654,7 @@
           <a:p>
             <a:fld id="{34D92944-273D-4DFE-BCBE-3BF784A0D775}" type="datetimeFigureOut">
               <a:rPr lang="en-US" smtClean="0"/>
-              <a:t>4/22/2016</a:t>
+              <a:t>4/29/2016</a:t>
             </a:fld>
             <a:endParaRPr lang="en-US"/>
           </a:p>
@@ -808,7 +824,7 @@
           <a:p>
             <a:fld id="{34D92944-273D-4DFE-BCBE-3BF784A0D775}" type="datetimeFigureOut">
               <a:rPr lang="en-US" smtClean="0"/>
-              <a:t>4/22/2016</a:t>
+              <a:t>4/29/2016</a:t>
             </a:fld>
             <a:endParaRPr lang="en-US"/>
           </a:p>
@@ -1054,7 +1070,7 @@
           <a:p>
             <a:fld id="{34D92944-273D-4DFE-BCBE-3BF784A0D775}" type="datetimeFigureOut">
               <a:rPr lang="en-US" smtClean="0"/>
-              <a:t>4/22/2016</a:t>
+              <a:t>4/29/2016</a:t>
             </a:fld>
             <a:endParaRPr lang="en-US"/>
           </a:p>
@@ -1342,7 +1358,7 @@
           <a:p>
             <a:fld id="{34D92944-273D-4DFE-BCBE-3BF784A0D775}" type="datetimeFigureOut">
               <a:rPr lang="en-US" smtClean="0"/>
-              <a:t>4/22/2016</a:t>
+              <a:t>4/29/2016</a:t>
             </a:fld>
             <a:endParaRPr lang="en-US"/>
           </a:p>
@@ -1764,7 +1780,7 @@
           <a:p>
             <a:fld id="{34D92944-273D-4DFE-BCBE-3BF784A0D775}" type="datetimeFigureOut">
               <a:rPr lang="en-US" smtClean="0"/>
-              <a:t>4/22/2016</a:t>
+              <a:t>4/29/2016</a:t>
             </a:fld>
             <a:endParaRPr lang="en-US"/>
           </a:p>
@@ -1882,7 +1898,7 @@
           <a:p>
             <a:fld id="{34D92944-273D-4DFE-BCBE-3BF784A0D775}" type="datetimeFigureOut">
               <a:rPr lang="en-US" smtClean="0"/>
-              <a:t>4/22/2016</a:t>
+              <a:t>4/29/2016</a:t>
             </a:fld>
             <a:endParaRPr lang="en-US"/>
           </a:p>
@@ -1977,7 +1993,7 @@
           <a:p>
             <a:fld id="{34D92944-273D-4DFE-BCBE-3BF784A0D775}" type="datetimeFigureOut">
               <a:rPr lang="en-US" smtClean="0"/>
-              <a:t>4/22/2016</a:t>
+              <a:t>4/29/2016</a:t>
             </a:fld>
             <a:endParaRPr lang="en-US"/>
           </a:p>
@@ -2254,7 +2270,7 @@
           <a:p>
             <a:fld id="{34D92944-273D-4DFE-BCBE-3BF784A0D775}" type="datetimeFigureOut">
               <a:rPr lang="en-US" smtClean="0"/>
-              <a:t>4/22/2016</a:t>
+              <a:t>4/29/2016</a:t>
             </a:fld>
             <a:endParaRPr lang="en-US"/>
           </a:p>
@@ -2507,7 +2523,7 @@
           <a:p>
             <a:fld id="{34D92944-273D-4DFE-BCBE-3BF784A0D775}" type="datetimeFigureOut">
               <a:rPr lang="en-US" smtClean="0"/>
-              <a:t>4/22/2016</a:t>
+              <a:t>4/29/2016</a:t>
             </a:fld>
             <a:endParaRPr lang="en-US"/>
           </a:p>
@@ -2720,7 +2736,7 @@
           <a:p>
             <a:fld id="{34D92944-273D-4DFE-BCBE-3BF784A0D775}" type="datetimeFigureOut">
               <a:rPr lang="en-US" smtClean="0"/>
-              <a:t>4/22/2016</a:t>
+              <a:t>4/29/2016</a:t>
             </a:fld>
             <a:endParaRPr lang="en-US"/>
           </a:p>
@@ -3136,18 +3152,26 @@
           <a:p>
             <a:r>
               <a:rPr lang="en-US" dirty="0" smtClean="0"/>
-              <a:t>But1-&gt;</a:t>
+              <a:t>But1-</a:t>
+            </a:r>
+            <a:r>
+              <a:rPr lang="en-US" dirty="0" smtClean="0"/>
+              <a:t>&gt;</a:t>
             </a:r>
             <a:r>
               <a:rPr lang="en-US" dirty="0" err="1" smtClean="0"/>
-              <a:t>SetLoop</a:t>
+              <a:t>PitchBend</a:t>
             </a:r>
             <a:endParaRPr lang="en-US" dirty="0" smtClean="0"/>
           </a:p>
           <a:p>
             <a:r>
               <a:rPr lang="en-US" dirty="0" smtClean="0"/>
-              <a:t>But2-&gt;</a:t>
+              <a:t>But2-</a:t>
+            </a:r>
+            <a:r>
+              <a:rPr lang="en-US" dirty="0" smtClean="0"/>
+              <a:t>&gt;</a:t>
             </a:r>
             <a:r>
               <a:rPr lang="en-US" dirty="0" err="1" smtClean="0"/>
@@ -3158,7 +3182,11 @@
           <a:p>
             <a:r>
               <a:rPr lang="en-US" dirty="0" smtClean="0"/>
-              <a:t>But3: set everything on/off -&gt; Main</a:t>
+              <a:t>But3: </a:t>
+            </a:r>
+            <a:r>
+              <a:rPr lang="en-US" dirty="0" smtClean="0"/>
+              <a:t>End program</a:t>
             </a:r>
             <a:endParaRPr lang="en-US" dirty="0"/>
           </a:p>
@@ -3172,8 +3200,8 @@
         </p:nvSpPr>
         <p:spPr>
           <a:xfrm>
-            <a:off x="4419600" y="4390072"/>
-            <a:ext cx="1676400" cy="1477328"/>
+            <a:off x="4191000" y="4390072"/>
+            <a:ext cx="2057400" cy="1477328"/>
           </a:xfrm>
           <a:prstGeom prst="rect">
             <a:avLst/>
@@ -3193,32 +3221,39 @@
           <a:p>
             <a:r>
               <a:rPr lang="en-US" dirty="0" err="1" smtClean="0"/>
-              <a:t>SetLoop</a:t>
+              <a:t>PitchBend</a:t>
+            </a:r>
+            <a:r>
+              <a:rPr lang="en-US" dirty="0" smtClean="0"/>
+              <a:t>(unused)</a:t>
             </a:r>
             <a:endParaRPr lang="en-US" dirty="0" smtClean="0"/>
           </a:p>
           <a:p>
             <a:r>
               <a:rPr lang="en-US" dirty="0" smtClean="0"/>
-              <a:t>But0:</a:t>
-            </a:r>
+              <a:t>But0-&gt;Main</a:t>
+            </a:r>
+            <a:endParaRPr lang="en-US" dirty="0" smtClean="0"/>
           </a:p>
           <a:p>
             <a:r>
               <a:rPr lang="en-US" dirty="0" smtClean="0"/>
-              <a:t>But1:</a:t>
-            </a:r>
+              <a:t>But1-&gt;Main</a:t>
+            </a:r>
+            <a:endParaRPr lang="en-US" dirty="0" smtClean="0"/>
           </a:p>
           <a:p>
             <a:r>
               <a:rPr lang="en-US" dirty="0" smtClean="0"/>
-              <a:t>But2:</a:t>
-            </a:r>
+              <a:t>But2-&gt;Main</a:t>
+            </a:r>
+            <a:endParaRPr lang="en-US" dirty="0" smtClean="0"/>
           </a:p>
           <a:p>
             <a:r>
               <a:rPr lang="en-US" dirty="0" smtClean="0"/>
-              <a:t>But3:</a:t>
+              <a:t>But3-&gt;Main</a:t>
             </a:r>
             <a:endParaRPr lang="en-US" dirty="0"/>
           </a:p>
@@ -3232,8 +3267,8 @@
         </p:nvSpPr>
         <p:spPr>
           <a:xfrm>
-            <a:off x="6858000" y="4390072"/>
-            <a:ext cx="1676400" cy="1477328"/>
+            <a:off x="6705600" y="4390072"/>
+            <a:ext cx="2057400" cy="1477328"/>
           </a:xfrm>
           <a:prstGeom prst="rect">
             <a:avLst/>
@@ -3255,30 +3290,37 @@
               <a:rPr lang="en-US" dirty="0" err="1" smtClean="0"/>
               <a:t>PlayLoops</a:t>
             </a:r>
+            <a:r>
+              <a:rPr lang="en-US" dirty="0" smtClean="0"/>
+              <a:t>(Unused)</a:t>
+            </a:r>
             <a:endParaRPr lang="en-US" dirty="0" smtClean="0"/>
           </a:p>
           <a:p>
             <a:r>
               <a:rPr lang="en-US" dirty="0" smtClean="0"/>
-              <a:t>But0:</a:t>
-            </a:r>
+              <a:t>But0-&gt;Main</a:t>
+            </a:r>
+            <a:endParaRPr lang="en-US" dirty="0" smtClean="0"/>
           </a:p>
           <a:p>
             <a:r>
               <a:rPr lang="en-US" dirty="0" smtClean="0"/>
-              <a:t>But1:</a:t>
-            </a:r>
+              <a:t>But1-&gt;Main</a:t>
+            </a:r>
+            <a:endParaRPr lang="en-US" dirty="0" smtClean="0"/>
           </a:p>
           <a:p>
             <a:r>
               <a:rPr lang="en-US" dirty="0" smtClean="0"/>
-              <a:t>But2:</a:t>
-            </a:r>
-          </a:p>
-          <a:p>
-            <a:r>
-              <a:rPr lang="en-US" smtClean="0"/>
-              <a:t>But3:</a:t>
+              <a:t>But2-&gt;Main</a:t>
+            </a:r>
+            <a:endParaRPr lang="en-US" dirty="0" smtClean="0"/>
+          </a:p>
+          <a:p>
+            <a:r>
+              <a:rPr lang="en-US" dirty="0" smtClean="0"/>
+              <a:t>But3-&gt;Main</a:t>
             </a:r>
             <a:endParaRPr lang="en-US" dirty="0"/>
           </a:p>
@@ -3523,15 +3565,13 @@
       <p:cxnSp>
         <p:nvCxnSpPr>
           <p:cNvPr id="19" name="Straight Arrow Connector 18"/>
-          <p:cNvCxnSpPr>
-            <a:stCxn id="6" idx="0"/>
-          </p:cNvCxnSpPr>
+          <p:cNvCxnSpPr/>
           <p:nvPr/>
         </p:nvCxnSpPr>
         <p:spPr>
           <a:xfrm flipH="1" flipV="1">
-            <a:off x="2743200" y="1758792"/>
-            <a:ext cx="2514600" cy="2631280"/>
+            <a:off x="2590800" y="1758792"/>
+            <a:ext cx="2476500" cy="2631280"/>
           </a:xfrm>
           <a:prstGeom prst="straightConnector1">
             <a:avLst/>
@@ -3597,8 +3637,8 @@
         </p:nvCxnSpPr>
         <p:spPr>
           <a:xfrm>
-            <a:off x="3733800" y="1758792"/>
-            <a:ext cx="3962400" cy="2631280"/>
+            <a:off x="3581400" y="1758792"/>
+            <a:ext cx="4152900" cy="2631280"/>
           </a:xfrm>
           <a:prstGeom prst="straightConnector1">
             <a:avLst/>
@@ -3687,6 +3727,66 @@
               <a:rPr lang="en-US" dirty="0" smtClean="0"/>
               <a:t>But2</a:t>
             </a:r>
+          </a:p>
+        </p:txBody>
+      </p:sp>
+      <p:sp>
+        <p:nvSpPr>
+          <p:cNvPr id="21" name="TextBox 20"/>
+          <p:cNvSpPr txBox="1"/>
+          <p:nvPr/>
+        </p:nvSpPr>
+        <p:spPr>
+          <a:xfrm>
+            <a:off x="3733800" y="2741933"/>
+            <a:ext cx="1143000" cy="369332"/>
+          </a:xfrm>
+          <a:prstGeom prst="rect">
+            <a:avLst/>
+          </a:prstGeom>
+          <a:noFill/>
+        </p:spPr>
+        <p:txBody>
+          <a:bodyPr wrap="square" rtlCol="0">
+            <a:spAutoFit/>
+          </a:bodyPr>
+          <a:lstStyle/>
+          <a:p>
+            <a:r>
+              <a:rPr lang="en-US" dirty="0" smtClean="0"/>
+              <a:t>But0,1,2,3</a:t>
+            </a:r>
+            <a:endParaRPr lang="en-US" dirty="0"/>
+          </a:p>
+        </p:txBody>
+      </p:sp>
+      <p:sp>
+        <p:nvSpPr>
+          <p:cNvPr id="23" name="TextBox 22"/>
+          <p:cNvSpPr txBox="1"/>
+          <p:nvPr/>
+        </p:nvSpPr>
+        <p:spPr>
+          <a:xfrm>
+            <a:off x="5942808" y="2741933"/>
+            <a:ext cx="1143000" cy="369332"/>
+          </a:xfrm>
+          <a:prstGeom prst="rect">
+            <a:avLst/>
+          </a:prstGeom>
+          <a:noFill/>
+        </p:spPr>
+        <p:txBody>
+          <a:bodyPr wrap="square" rtlCol="0">
+            <a:spAutoFit/>
+          </a:bodyPr>
+          <a:lstStyle/>
+          <a:p>
+            <a:r>
+              <a:rPr lang="en-US" dirty="0" smtClean="0"/>
+              <a:t>But0,1,2,3</a:t>
+            </a:r>
+            <a:endParaRPr lang="en-US" dirty="0"/>
           </a:p>
         </p:txBody>
       </p:sp>
